--- a/Interim_PPT_template.pptx
+++ b/Interim_PPT_template.pptx
@@ -8,9 +8,10 @@
     <p:sldId id="256" r:id="rId2"/>
     <p:sldId id="258" r:id="rId3"/>
     <p:sldId id="267" r:id="rId4"/>
-    <p:sldId id="270" r:id="rId5"/>
-    <p:sldId id="268" r:id="rId6"/>
-    <p:sldId id="269" r:id="rId7"/>
+    <p:sldId id="271" r:id="rId5"/>
+    <p:sldId id="270" r:id="rId6"/>
+    <p:sldId id="268" r:id="rId7"/>
+    <p:sldId id="269" r:id="rId8"/>
   </p:sldIdLst>
   <p:sldSz cx="9144000" cy="6858000" type="screen4x3"/>
   <p:notesSz cx="6858000" cy="9144000"/>
@@ -109,6 +110,22 @@
       </a:defRPr>
     </a:lvl9pPr>
   </p:defaultTextStyle>
+  <p:extLst>
+    <p:ext uri="{EFAFB233-063F-42B5-8137-9DF3F51BA10A}">
+      <p15:sldGuideLst xmlns:p15="http://schemas.microsoft.com/office/powerpoint/2012/main">
+        <p15:guide id="1" orient="horz" pos="2160">
+          <p15:clr>
+            <a:srgbClr val="A4A3A4"/>
+          </p15:clr>
+        </p15:guide>
+        <p15:guide id="2" pos="2880">
+          <p15:clr>
+            <a:srgbClr val="A4A3A4"/>
+          </p15:clr>
+        </p15:guide>
+      </p15:sldGuideLst>
+    </p:ext>
+  </p:extLst>
 </p:presentation>
 </file>
 
@@ -150,10 +167,9 @@
           <a:lstStyle/>
           <a:p>
             <a:r>
-              <a:rPr lang="en-US" smtClean="0"/>
+              <a:rPr lang="en-US"/>
               <a:t>Click to edit Master title style</a:t>
             </a:r>
-            <a:endParaRPr lang="en-US"/>
           </a:p>
         </p:txBody>
       </p:sp>
@@ -269,10 +285,9 @@
           </a:lstStyle>
           <a:p>
             <a:r>
-              <a:rPr lang="en-US" smtClean="0"/>
+              <a:rPr lang="en-US"/>
               <a:t>Click to edit Master subtitle style</a:t>
             </a:r>
-            <a:endParaRPr lang="en-US"/>
           </a:p>
         </p:txBody>
       </p:sp>
@@ -294,7 +309,7 @@
             <a:fld id="{1D8BD707-D9CF-40AE-B4C6-C98DA3205C09}" type="datetimeFigureOut">
               <a:rPr lang="en-US" smtClean="0"/>
               <a:pPr/>
-              <a:t>5/21/2021</a:t>
+              <a:t>5/22/2021</a:t>
             </a:fld>
             <a:endParaRPr lang="en-US"/>
           </a:p>
@@ -384,10 +399,9 @@
           <a:lstStyle/>
           <a:p>
             <a:r>
-              <a:rPr lang="en-US" smtClean="0"/>
+              <a:rPr lang="en-US"/>
               <a:t>Click to edit Master title style</a:t>
             </a:r>
-            <a:endParaRPr lang="en-US"/>
           </a:p>
         </p:txBody>
       </p:sp>
@@ -408,38 +422,37 @@
           <a:p>
             <a:pPr lvl="0"/>
             <a:r>
-              <a:rPr lang="en-US" smtClean="0"/>
+              <a:rPr lang="en-US"/>
               <a:t>Click to edit Master text styles</a:t>
             </a:r>
           </a:p>
           <a:p>
             <a:pPr lvl="1"/>
             <a:r>
-              <a:rPr lang="en-US" smtClean="0"/>
+              <a:rPr lang="en-US"/>
               <a:t>Second level</a:t>
             </a:r>
           </a:p>
           <a:p>
             <a:pPr lvl="2"/>
             <a:r>
-              <a:rPr lang="en-US" smtClean="0"/>
+              <a:rPr lang="en-US"/>
               <a:t>Third level</a:t>
             </a:r>
           </a:p>
           <a:p>
             <a:pPr lvl="3"/>
             <a:r>
-              <a:rPr lang="en-US" smtClean="0"/>
+              <a:rPr lang="en-US"/>
               <a:t>Fourth level</a:t>
             </a:r>
           </a:p>
           <a:p>
             <a:pPr lvl="4"/>
             <a:r>
-              <a:rPr lang="en-US" smtClean="0"/>
+              <a:rPr lang="en-US"/>
               <a:t>Fifth level</a:t>
             </a:r>
-            <a:endParaRPr lang="en-US"/>
           </a:p>
         </p:txBody>
       </p:sp>
@@ -461,7 +474,7 @@
             <a:fld id="{1D8BD707-D9CF-40AE-B4C6-C98DA3205C09}" type="datetimeFigureOut">
               <a:rPr lang="en-US" smtClean="0"/>
               <a:pPr/>
-              <a:t>5/21/2021</a:t>
+              <a:t>5/22/2021</a:t>
             </a:fld>
             <a:endParaRPr lang="en-US"/>
           </a:p>
@@ -556,10 +569,9 @@
           <a:lstStyle/>
           <a:p>
             <a:r>
-              <a:rPr lang="en-US" smtClean="0"/>
+              <a:rPr lang="en-US"/>
               <a:t>Click to edit Master title style</a:t>
             </a:r>
-            <a:endParaRPr lang="en-US"/>
           </a:p>
         </p:txBody>
       </p:sp>
@@ -585,38 +597,37 @@
           <a:p>
             <a:pPr lvl="0"/>
             <a:r>
-              <a:rPr lang="en-US" smtClean="0"/>
+              <a:rPr lang="en-US"/>
               <a:t>Click to edit Master text styles</a:t>
             </a:r>
           </a:p>
           <a:p>
             <a:pPr lvl="1"/>
             <a:r>
-              <a:rPr lang="en-US" smtClean="0"/>
+              <a:rPr lang="en-US"/>
               <a:t>Second level</a:t>
             </a:r>
           </a:p>
           <a:p>
             <a:pPr lvl="2"/>
             <a:r>
-              <a:rPr lang="en-US" smtClean="0"/>
+              <a:rPr lang="en-US"/>
               <a:t>Third level</a:t>
             </a:r>
           </a:p>
           <a:p>
             <a:pPr lvl="3"/>
             <a:r>
-              <a:rPr lang="en-US" smtClean="0"/>
+              <a:rPr lang="en-US"/>
               <a:t>Fourth level</a:t>
             </a:r>
           </a:p>
           <a:p>
             <a:pPr lvl="4"/>
             <a:r>
-              <a:rPr lang="en-US" smtClean="0"/>
+              <a:rPr lang="en-US"/>
               <a:t>Fifth level</a:t>
             </a:r>
-            <a:endParaRPr lang="en-US"/>
           </a:p>
         </p:txBody>
       </p:sp>
@@ -638,7 +649,7 @@
             <a:fld id="{1D8BD707-D9CF-40AE-B4C6-C98DA3205C09}" type="datetimeFigureOut">
               <a:rPr lang="en-US" smtClean="0"/>
               <a:pPr/>
-              <a:t>5/21/2021</a:t>
+              <a:t>5/22/2021</a:t>
             </a:fld>
             <a:endParaRPr lang="en-US"/>
           </a:p>
@@ -728,10 +739,9 @@
           <a:lstStyle/>
           <a:p>
             <a:r>
-              <a:rPr lang="en-US" smtClean="0"/>
+              <a:rPr lang="en-US"/>
               <a:t>Click to edit Master title style</a:t>
             </a:r>
-            <a:endParaRPr lang="en-US"/>
           </a:p>
         </p:txBody>
       </p:sp>
@@ -752,38 +762,37 @@
           <a:p>
             <a:pPr lvl="0"/>
             <a:r>
-              <a:rPr lang="en-US" smtClean="0"/>
+              <a:rPr lang="en-US"/>
               <a:t>Click to edit Master text styles</a:t>
             </a:r>
           </a:p>
           <a:p>
             <a:pPr lvl="1"/>
             <a:r>
-              <a:rPr lang="en-US" smtClean="0"/>
+              <a:rPr lang="en-US"/>
               <a:t>Second level</a:t>
             </a:r>
           </a:p>
           <a:p>
             <a:pPr lvl="2"/>
             <a:r>
-              <a:rPr lang="en-US" smtClean="0"/>
+              <a:rPr lang="en-US"/>
               <a:t>Third level</a:t>
             </a:r>
           </a:p>
           <a:p>
             <a:pPr lvl="3"/>
             <a:r>
-              <a:rPr lang="en-US" smtClean="0"/>
+              <a:rPr lang="en-US"/>
               <a:t>Fourth level</a:t>
             </a:r>
           </a:p>
           <a:p>
             <a:pPr lvl="4"/>
             <a:r>
-              <a:rPr lang="en-US" smtClean="0"/>
+              <a:rPr lang="en-US"/>
               <a:t>Fifth level</a:t>
             </a:r>
-            <a:endParaRPr lang="en-US"/>
           </a:p>
         </p:txBody>
       </p:sp>
@@ -805,7 +814,7 @@
             <a:fld id="{1D8BD707-D9CF-40AE-B4C6-C98DA3205C09}" type="datetimeFigureOut">
               <a:rPr lang="en-US" smtClean="0"/>
               <a:pPr/>
-              <a:t>5/21/2021</a:t>
+              <a:t>5/22/2021</a:t>
             </a:fld>
             <a:endParaRPr lang="en-US"/>
           </a:p>
@@ -904,10 +913,9 @@
           </a:lstStyle>
           <a:p>
             <a:r>
-              <a:rPr lang="en-US" smtClean="0"/>
+              <a:rPr lang="en-US"/>
               <a:t>Click to edit Master title style</a:t>
             </a:r>
-            <a:endParaRPr lang="en-US"/>
           </a:p>
         </p:txBody>
       </p:sp>
@@ -1024,7 +1032,7 @@
           <a:p>
             <a:pPr lvl="0"/>
             <a:r>
-              <a:rPr lang="en-US" smtClean="0"/>
+              <a:rPr lang="en-US"/>
               <a:t>Click to edit Master text styles</a:t>
             </a:r>
           </a:p>
@@ -1048,7 +1056,7 @@
             <a:fld id="{1D8BD707-D9CF-40AE-B4C6-C98DA3205C09}" type="datetimeFigureOut">
               <a:rPr lang="en-US" smtClean="0"/>
               <a:pPr/>
-              <a:t>5/21/2021</a:t>
+              <a:t>5/22/2021</a:t>
             </a:fld>
             <a:endParaRPr lang="en-US"/>
           </a:p>
@@ -1138,10 +1146,9 @@
           <a:lstStyle/>
           <a:p>
             <a:r>
-              <a:rPr lang="en-US" smtClean="0"/>
+              <a:rPr lang="en-US"/>
               <a:t>Click to edit Master title style</a:t>
             </a:r>
-            <a:endParaRPr lang="en-US"/>
           </a:p>
         </p:txBody>
       </p:sp>
@@ -1195,38 +1202,37 @@
           <a:p>
             <a:pPr lvl="0"/>
             <a:r>
-              <a:rPr lang="en-US" smtClean="0"/>
+              <a:rPr lang="en-US"/>
               <a:t>Click to edit Master text styles</a:t>
             </a:r>
           </a:p>
           <a:p>
             <a:pPr lvl="1"/>
             <a:r>
-              <a:rPr lang="en-US" smtClean="0"/>
+              <a:rPr lang="en-US"/>
               <a:t>Second level</a:t>
             </a:r>
           </a:p>
           <a:p>
             <a:pPr lvl="2"/>
             <a:r>
-              <a:rPr lang="en-US" smtClean="0"/>
+              <a:rPr lang="en-US"/>
               <a:t>Third level</a:t>
             </a:r>
           </a:p>
           <a:p>
             <a:pPr lvl="3"/>
             <a:r>
-              <a:rPr lang="en-US" smtClean="0"/>
+              <a:rPr lang="en-US"/>
               <a:t>Fourth level</a:t>
             </a:r>
           </a:p>
           <a:p>
             <a:pPr lvl="4"/>
             <a:r>
-              <a:rPr lang="en-US" smtClean="0"/>
+              <a:rPr lang="en-US"/>
               <a:t>Fifth level</a:t>
             </a:r>
-            <a:endParaRPr lang="en-US"/>
           </a:p>
         </p:txBody>
       </p:sp>
@@ -1280,38 +1286,37 @@
           <a:p>
             <a:pPr lvl="0"/>
             <a:r>
-              <a:rPr lang="en-US" smtClean="0"/>
+              <a:rPr lang="en-US"/>
               <a:t>Click to edit Master text styles</a:t>
             </a:r>
           </a:p>
           <a:p>
             <a:pPr lvl="1"/>
             <a:r>
-              <a:rPr lang="en-US" smtClean="0"/>
+              <a:rPr lang="en-US"/>
               <a:t>Second level</a:t>
             </a:r>
           </a:p>
           <a:p>
             <a:pPr lvl="2"/>
             <a:r>
-              <a:rPr lang="en-US" smtClean="0"/>
+              <a:rPr lang="en-US"/>
               <a:t>Third level</a:t>
             </a:r>
           </a:p>
           <a:p>
             <a:pPr lvl="3"/>
             <a:r>
-              <a:rPr lang="en-US" smtClean="0"/>
+              <a:rPr lang="en-US"/>
               <a:t>Fourth level</a:t>
             </a:r>
           </a:p>
           <a:p>
             <a:pPr lvl="4"/>
             <a:r>
-              <a:rPr lang="en-US" smtClean="0"/>
+              <a:rPr lang="en-US"/>
               <a:t>Fifth level</a:t>
             </a:r>
-            <a:endParaRPr lang="en-US"/>
           </a:p>
         </p:txBody>
       </p:sp>
@@ -1333,7 +1338,7 @@
             <a:fld id="{1D8BD707-D9CF-40AE-B4C6-C98DA3205C09}" type="datetimeFigureOut">
               <a:rPr lang="en-US" smtClean="0"/>
               <a:pPr/>
-              <a:t>5/21/2021</a:t>
+              <a:t>5/22/2021</a:t>
             </a:fld>
             <a:endParaRPr lang="en-US"/>
           </a:p>
@@ -1427,10 +1432,9 @@
           </a:lstStyle>
           <a:p>
             <a:r>
-              <a:rPr lang="en-US" smtClean="0"/>
+              <a:rPr lang="en-US"/>
               <a:t>Click to edit Master title style</a:t>
             </a:r>
-            <a:endParaRPr lang="en-US"/>
           </a:p>
         </p:txBody>
       </p:sp>
@@ -1493,7 +1497,7 @@
           <a:p>
             <a:pPr lvl="0"/>
             <a:r>
-              <a:rPr lang="en-US" smtClean="0"/>
+              <a:rPr lang="en-US"/>
               <a:t>Click to edit Master text styles</a:t>
             </a:r>
           </a:p>
@@ -1549,38 +1553,37 @@
           <a:p>
             <a:pPr lvl="0"/>
             <a:r>
-              <a:rPr lang="en-US" smtClean="0"/>
+              <a:rPr lang="en-US"/>
               <a:t>Click to edit Master text styles</a:t>
             </a:r>
           </a:p>
           <a:p>
             <a:pPr lvl="1"/>
             <a:r>
-              <a:rPr lang="en-US" smtClean="0"/>
+              <a:rPr lang="en-US"/>
               <a:t>Second level</a:t>
             </a:r>
           </a:p>
           <a:p>
             <a:pPr lvl="2"/>
             <a:r>
-              <a:rPr lang="en-US" smtClean="0"/>
+              <a:rPr lang="en-US"/>
               <a:t>Third level</a:t>
             </a:r>
           </a:p>
           <a:p>
             <a:pPr lvl="3"/>
             <a:r>
-              <a:rPr lang="en-US" smtClean="0"/>
+              <a:rPr lang="en-US"/>
               <a:t>Fourth level</a:t>
             </a:r>
           </a:p>
           <a:p>
             <a:pPr lvl="4"/>
             <a:r>
-              <a:rPr lang="en-US" smtClean="0"/>
+              <a:rPr lang="en-US"/>
               <a:t>Fifth level</a:t>
             </a:r>
-            <a:endParaRPr lang="en-US"/>
           </a:p>
         </p:txBody>
       </p:sp>
@@ -1643,7 +1646,7 @@
           <a:p>
             <a:pPr lvl="0"/>
             <a:r>
-              <a:rPr lang="en-US" smtClean="0"/>
+              <a:rPr lang="en-US"/>
               <a:t>Click to edit Master text styles</a:t>
             </a:r>
           </a:p>
@@ -1699,38 +1702,37 @@
           <a:p>
             <a:pPr lvl="0"/>
             <a:r>
-              <a:rPr lang="en-US" smtClean="0"/>
+              <a:rPr lang="en-US"/>
               <a:t>Click to edit Master text styles</a:t>
             </a:r>
           </a:p>
           <a:p>
             <a:pPr lvl="1"/>
             <a:r>
-              <a:rPr lang="en-US" smtClean="0"/>
+              <a:rPr lang="en-US"/>
               <a:t>Second level</a:t>
             </a:r>
           </a:p>
           <a:p>
             <a:pPr lvl="2"/>
             <a:r>
-              <a:rPr lang="en-US" smtClean="0"/>
+              <a:rPr lang="en-US"/>
               <a:t>Third level</a:t>
             </a:r>
           </a:p>
           <a:p>
             <a:pPr lvl="3"/>
             <a:r>
-              <a:rPr lang="en-US" smtClean="0"/>
+              <a:rPr lang="en-US"/>
               <a:t>Fourth level</a:t>
             </a:r>
           </a:p>
           <a:p>
             <a:pPr lvl="4"/>
             <a:r>
-              <a:rPr lang="en-US" smtClean="0"/>
+              <a:rPr lang="en-US"/>
               <a:t>Fifth level</a:t>
             </a:r>
-            <a:endParaRPr lang="en-US"/>
           </a:p>
         </p:txBody>
       </p:sp>
@@ -1752,7 +1754,7 @@
             <a:fld id="{1D8BD707-D9CF-40AE-B4C6-C98DA3205C09}" type="datetimeFigureOut">
               <a:rPr lang="en-US" smtClean="0"/>
               <a:pPr/>
-              <a:t>5/21/2021</a:t>
+              <a:t>5/22/2021</a:t>
             </a:fld>
             <a:endParaRPr lang="en-US"/>
           </a:p>
@@ -1842,10 +1844,9 @@
           <a:lstStyle/>
           <a:p>
             <a:r>
-              <a:rPr lang="en-US" smtClean="0"/>
+              <a:rPr lang="en-US"/>
               <a:t>Click to edit Master title style</a:t>
             </a:r>
-            <a:endParaRPr lang="en-US"/>
           </a:p>
         </p:txBody>
       </p:sp>
@@ -1867,7 +1868,7 @@
             <a:fld id="{1D8BD707-D9CF-40AE-B4C6-C98DA3205C09}" type="datetimeFigureOut">
               <a:rPr lang="en-US" smtClean="0"/>
               <a:pPr/>
-              <a:t>5/21/2021</a:t>
+              <a:t>5/22/2021</a:t>
             </a:fld>
             <a:endParaRPr lang="en-US"/>
           </a:p>
@@ -1959,7 +1960,7 @@
             <a:fld id="{1D8BD707-D9CF-40AE-B4C6-C98DA3205C09}" type="datetimeFigureOut">
               <a:rPr lang="en-US" smtClean="0"/>
               <a:pPr/>
-              <a:t>5/21/2021</a:t>
+              <a:t>5/22/2021</a:t>
             </a:fld>
             <a:endParaRPr lang="en-US"/>
           </a:p>
@@ -2058,10 +2059,9 @@
           </a:lstStyle>
           <a:p>
             <a:r>
-              <a:rPr lang="en-US" smtClean="0"/>
+              <a:rPr lang="en-US"/>
               <a:t>Click to edit Master title style</a:t>
             </a:r>
-            <a:endParaRPr lang="en-US"/>
           </a:p>
         </p:txBody>
       </p:sp>
@@ -2115,38 +2115,37 @@
           <a:p>
             <a:pPr lvl="0"/>
             <a:r>
-              <a:rPr lang="en-US" smtClean="0"/>
+              <a:rPr lang="en-US"/>
               <a:t>Click to edit Master text styles</a:t>
             </a:r>
           </a:p>
           <a:p>
             <a:pPr lvl="1"/>
             <a:r>
-              <a:rPr lang="en-US" smtClean="0"/>
+              <a:rPr lang="en-US"/>
               <a:t>Second level</a:t>
             </a:r>
           </a:p>
           <a:p>
             <a:pPr lvl="2"/>
             <a:r>
-              <a:rPr lang="en-US" smtClean="0"/>
+              <a:rPr lang="en-US"/>
               <a:t>Third level</a:t>
             </a:r>
           </a:p>
           <a:p>
             <a:pPr lvl="3"/>
             <a:r>
-              <a:rPr lang="en-US" smtClean="0"/>
+              <a:rPr lang="en-US"/>
               <a:t>Fourth level</a:t>
             </a:r>
           </a:p>
           <a:p>
             <a:pPr lvl="4"/>
             <a:r>
-              <a:rPr lang="en-US" smtClean="0"/>
+              <a:rPr lang="en-US"/>
               <a:t>Fifth level</a:t>
             </a:r>
-            <a:endParaRPr lang="en-US"/>
           </a:p>
         </p:txBody>
       </p:sp>
@@ -2209,7 +2208,7 @@
           <a:p>
             <a:pPr lvl="0"/>
             <a:r>
-              <a:rPr lang="en-US" smtClean="0"/>
+              <a:rPr lang="en-US"/>
               <a:t>Click to edit Master text styles</a:t>
             </a:r>
           </a:p>
@@ -2233,7 +2232,7 @@
             <a:fld id="{1D8BD707-D9CF-40AE-B4C6-C98DA3205C09}" type="datetimeFigureOut">
               <a:rPr lang="en-US" smtClean="0"/>
               <a:pPr/>
-              <a:t>5/21/2021</a:t>
+              <a:t>5/22/2021</a:t>
             </a:fld>
             <a:endParaRPr lang="en-US"/>
           </a:p>
@@ -2332,10 +2331,9 @@
           </a:lstStyle>
           <a:p>
             <a:r>
-              <a:rPr lang="en-US" smtClean="0"/>
+              <a:rPr lang="en-US"/>
               <a:t>Click to edit Master title style</a:t>
             </a:r>
-            <a:endParaRPr lang="en-US"/>
           </a:p>
         </p:txBody>
       </p:sp>
@@ -2459,7 +2457,7 @@
           <a:p>
             <a:pPr lvl="0"/>
             <a:r>
-              <a:rPr lang="en-US" smtClean="0"/>
+              <a:rPr lang="en-US"/>
               <a:t>Click to edit Master text styles</a:t>
             </a:r>
           </a:p>
@@ -2483,7 +2481,7 @@
             <a:fld id="{1D8BD707-D9CF-40AE-B4C6-C98DA3205C09}" type="datetimeFigureOut">
               <a:rPr lang="en-US" smtClean="0"/>
               <a:pPr/>
-              <a:t>5/21/2021</a:t>
+              <a:t>5/22/2021</a:t>
             </a:fld>
             <a:endParaRPr lang="en-US"/>
           </a:p>
@@ -2588,10 +2586,9 @@
           <a:lstStyle/>
           <a:p>
             <a:r>
-              <a:rPr lang="en-US" smtClean="0"/>
+              <a:rPr lang="en-US"/>
               <a:t>Click to edit Master title style</a:t>
             </a:r>
-            <a:endParaRPr lang="en-US"/>
           </a:p>
         </p:txBody>
       </p:sp>
@@ -2622,38 +2619,37 @@
           <a:p>
             <a:pPr lvl="0"/>
             <a:r>
-              <a:rPr lang="en-US" smtClean="0"/>
+              <a:rPr lang="en-US"/>
               <a:t>Click to edit Master text styles</a:t>
             </a:r>
           </a:p>
           <a:p>
             <a:pPr lvl="1"/>
             <a:r>
-              <a:rPr lang="en-US" smtClean="0"/>
+              <a:rPr lang="en-US"/>
               <a:t>Second level</a:t>
             </a:r>
           </a:p>
           <a:p>
             <a:pPr lvl="2"/>
             <a:r>
-              <a:rPr lang="en-US" smtClean="0"/>
+              <a:rPr lang="en-US"/>
               <a:t>Third level</a:t>
             </a:r>
           </a:p>
           <a:p>
             <a:pPr lvl="3"/>
             <a:r>
-              <a:rPr lang="en-US" smtClean="0"/>
+              <a:rPr lang="en-US"/>
               <a:t>Fourth level</a:t>
             </a:r>
           </a:p>
           <a:p>
             <a:pPr lvl="4"/>
             <a:r>
-              <a:rPr lang="en-US" smtClean="0"/>
+              <a:rPr lang="en-US"/>
               <a:t>Fifth level</a:t>
             </a:r>
-            <a:endParaRPr lang="en-US"/>
           </a:p>
         </p:txBody>
       </p:sp>
@@ -2693,7 +2689,7 @@
             <a:fld id="{1D8BD707-D9CF-40AE-B4C6-C98DA3205C09}" type="datetimeFigureOut">
               <a:rPr lang="en-US" smtClean="0"/>
               <a:pPr/>
-              <a:t>5/21/2021</a:t>
+              <a:t>5/22/2021</a:t>
             </a:fld>
             <a:endParaRPr lang="en-US"/>
           </a:p>
@@ -3080,10 +3076,9 @@
           <a:lstStyle/>
           <a:p>
             <a:r>
-              <a:rPr lang="en-US" dirty="0" smtClean="0"/>
+              <a:rPr lang="en-US" dirty="0"/>
               <a:t>AIML Capstone Project - CV - Car detection</a:t>
             </a:r>
-            <a:endParaRPr lang="en-US" dirty="0"/>
           </a:p>
         </p:txBody>
       </p:sp>
@@ -3106,37 +3101,33 @@
           <a:p>
             <a:pPr algn="l"/>
             <a:r>
-              <a:rPr lang="en-US" dirty="0" smtClean="0"/>
-              <a:t>Jun20A Group </a:t>
-            </a:r>
-            <a:r>
-              <a:rPr lang="en-US" dirty="0" smtClean="0"/>
-              <a:t>6B</a:t>
+              <a:rPr lang="en-US" dirty="0"/>
+              <a:t>Jun20A Group 6B</a:t>
             </a:r>
           </a:p>
           <a:p>
             <a:pPr algn="l"/>
             <a:r>
-              <a:rPr lang="en-US" dirty="0" smtClean="0"/>
+              <a:rPr lang="en-US" dirty="0"/>
               <a:t>- </a:t>
             </a:r>
             <a:r>
-              <a:rPr lang="en-US" dirty="0" err="1" smtClean="0"/>
+              <a:rPr lang="en-US" dirty="0" err="1"/>
               <a:t>Antara</a:t>
             </a:r>
-            <a:endParaRPr lang="en-US" dirty="0" smtClean="0"/>
+            <a:endParaRPr lang="en-US" dirty="0"/>
           </a:p>
           <a:p>
             <a:pPr algn="l"/>
             <a:r>
-              <a:rPr lang="en-US" dirty="0" smtClean="0"/>
+              <a:rPr lang="en-US" dirty="0"/>
               <a:t>- </a:t>
             </a:r>
             <a:r>
-              <a:rPr lang="en-US" dirty="0" err="1" smtClean="0"/>
+              <a:rPr lang="en-US" dirty="0" err="1"/>
               <a:t>Deepiga</a:t>
             </a:r>
-            <a:endParaRPr lang="en-US" dirty="0" smtClean="0"/>
+            <a:endParaRPr lang="en-US" dirty="0"/>
           </a:p>
           <a:p>
             <a:pPr algn="l">
@@ -3144,14 +3135,14 @@
               <a:buChar char="-"/>
             </a:pPr>
             <a:r>
-              <a:rPr lang="en-US" dirty="0" smtClean="0"/>
+              <a:rPr lang="en-US" dirty="0"/>
               <a:t> </a:t>
             </a:r>
             <a:r>
-              <a:rPr lang="en-US" dirty="0" err="1" smtClean="0"/>
+              <a:rPr lang="en-US" dirty="0" err="1"/>
               <a:t>Gowtham</a:t>
             </a:r>
-            <a:endParaRPr lang="en-US" dirty="0" smtClean="0"/>
+            <a:endParaRPr lang="en-US" dirty="0"/>
           </a:p>
           <a:p>
             <a:pPr algn="l">
@@ -3159,29 +3150,29 @@
               <a:buChar char="-"/>
             </a:pPr>
             <a:r>
-              <a:rPr lang="en-US" dirty="0" smtClean="0"/>
+              <a:rPr lang="en-US" dirty="0"/>
               <a:t> </a:t>
             </a:r>
             <a:r>
-              <a:rPr lang="en-US" dirty="0" err="1" smtClean="0"/>
+              <a:rPr lang="en-US" dirty="0" err="1"/>
               <a:t>Manoj</a:t>
             </a:r>
-            <a:endParaRPr lang="en-US" dirty="0" smtClean="0"/>
+            <a:endParaRPr lang="en-US" dirty="0"/>
           </a:p>
           <a:p>
             <a:pPr algn="l"/>
             <a:r>
-              <a:rPr lang="en-US" dirty="0" smtClean="0"/>
+              <a:rPr lang="en-US" dirty="0"/>
               <a:t>- </a:t>
             </a:r>
             <a:r>
-              <a:rPr lang="en-US" dirty="0" err="1" smtClean="0"/>
+              <a:rPr lang="en-US" dirty="0" err="1"/>
               <a:t>Shashank</a:t>
             </a:r>
-            <a:endParaRPr lang="en-US" dirty="0" smtClean="0"/>
-          </a:p>
-          <a:p>
-            <a:endParaRPr lang="en-US" dirty="0" smtClean="0"/>
+            <a:endParaRPr lang="en-US" dirty="0"/>
+          </a:p>
+          <a:p>
+            <a:endParaRPr lang="en-US" dirty="0"/>
           </a:p>
         </p:txBody>
       </p:sp>
@@ -3233,10 +3224,9 @@
           <a:lstStyle/>
           <a:p>
             <a:r>
-              <a:rPr lang="en-US" sz="3200" dirty="0" smtClean="0"/>
+              <a:rPr lang="en-US" sz="3200" dirty="0"/>
               <a:t>Project Details</a:t>
             </a:r>
-            <a:endParaRPr lang="en-US" sz="3200" dirty="0"/>
           </a:p>
         </p:txBody>
       </p:sp>
@@ -3266,15 +3256,15 @@
               <a:buNone/>
             </a:pPr>
             <a:r>
-              <a:rPr lang="en-US" sz="1600" b="1" u="sng" dirty="0" smtClean="0"/>
+              <a:rPr lang="en-US" sz="1600" b="1" u="sng" dirty="0"/>
               <a:t>Project Objective:</a:t>
             </a:r>
             <a:r>
-              <a:rPr lang="en-US" sz="1600" dirty="0" smtClean="0"/>
+              <a:rPr lang="en-US" sz="1600" dirty="0"/>
               <a:t>  </a:t>
             </a:r>
             <a:r>
-              <a:rPr lang="en-US" sz="1600" i="1" dirty="0" smtClean="0"/>
+              <a:rPr lang="en-US" sz="1600" i="1" dirty="0"/>
               <a:t>Design a DL based car identification model </a:t>
             </a:r>
           </a:p>
@@ -3282,22 +3272,22 @@
             <a:pPr>
               <a:buNone/>
             </a:pPr>
-            <a:endParaRPr lang="en-US" sz="1600" i="1" dirty="0" smtClean="0"/>
+            <a:endParaRPr lang="en-US" sz="1600" i="1" dirty="0"/>
           </a:p>
           <a:p>
             <a:pPr>
               <a:buNone/>
             </a:pPr>
             <a:r>
-              <a:rPr lang="en-US" sz="1600" b="1" u="sng" dirty="0" smtClean="0"/>
+              <a:rPr lang="en-US" sz="1600" b="1" u="sng" dirty="0"/>
               <a:t>Domain:</a:t>
             </a:r>
             <a:r>
-              <a:rPr lang="en-US" sz="1600" dirty="0" smtClean="0"/>
+              <a:rPr lang="en-US" sz="1600" dirty="0"/>
               <a:t>  </a:t>
             </a:r>
             <a:r>
-              <a:rPr lang="en-US" sz="1600" i="1" dirty="0" smtClean="0"/>
+              <a:rPr lang="en-US" sz="1600" i="1" dirty="0"/>
               <a:t>Automotive. Surveillance </a:t>
             </a:r>
           </a:p>
@@ -3305,26 +3295,26 @@
             <a:pPr>
               <a:buNone/>
             </a:pPr>
-            <a:endParaRPr lang="en-US" sz="1600" i="1" dirty="0" smtClean="0"/>
+            <a:endParaRPr lang="en-US" sz="1600" i="1" dirty="0"/>
           </a:p>
           <a:p>
             <a:pPr>
               <a:buNone/>
             </a:pPr>
             <a:r>
-              <a:rPr lang="en-US" sz="1600" b="1" u="sng" dirty="0" smtClean="0"/>
+              <a:rPr lang="en-US" sz="1600" b="1" u="sng" dirty="0"/>
               <a:t>Context: </a:t>
             </a:r>
             <a:r>
-              <a:rPr lang="en-US" sz="1600" i="1" dirty="0" smtClean="0"/>
+              <a:rPr lang="en-US" sz="1600" i="1" dirty="0"/>
               <a:t>Computer vision can be used to automate supervision and generate action appropriate action trigger if the event is predicted from the image of interest. For example a car moving on the road can be easily identified by a camera as make of the car, type, </a:t>
             </a:r>
             <a:r>
-              <a:rPr lang="en-US" sz="1600" i="1" dirty="0" err="1" smtClean="0"/>
+              <a:rPr lang="en-US" sz="1600" i="1" dirty="0" err="1"/>
               <a:t>colour</a:t>
             </a:r>
             <a:r>
-              <a:rPr lang="en-US" sz="1600" i="1" dirty="0" smtClean="0"/>
+              <a:rPr lang="en-US" sz="1600" i="1" dirty="0"/>
               <a:t>, number plates etc .</a:t>
             </a:r>
           </a:p>
@@ -3332,18 +3322,18 @@
             <a:pPr>
               <a:buNone/>
             </a:pPr>
-            <a:endParaRPr lang="en-US" sz="1600" i="1" dirty="0" smtClean="0"/>
+            <a:endParaRPr lang="en-US" sz="1600" i="1" dirty="0"/>
           </a:p>
           <a:p>
             <a:pPr>
               <a:buNone/>
             </a:pPr>
             <a:r>
-              <a:rPr lang="en-US" sz="1600" b="1" u="sng" dirty="0" smtClean="0"/>
+              <a:rPr lang="en-US" sz="1600" b="1" u="sng" dirty="0"/>
               <a:t>Data Description: </a:t>
             </a:r>
             <a:r>
-              <a:rPr lang="en-US" sz="1600" i="1" dirty="0" smtClean="0"/>
+              <a:rPr lang="en-US" sz="1600" i="1" dirty="0"/>
               <a:t>The Cars dataset contains 16,185 images of 196 classes of cars. The data is split into 8,144 training images and 8,041 testing images, where each class has been split roughly in a 50-50 split. Classes are typically at the level of Make, Model, Year, e.g. 2012 Tesla Model S or 2012 BMW M3 coupe. </a:t>
             </a:r>
           </a:p>
@@ -3352,7 +3342,7 @@
               <a:buNone/>
             </a:pPr>
             <a:r>
-              <a:rPr lang="en-US" sz="1600" i="1" dirty="0" smtClean="0"/>
+              <a:rPr lang="en-US" sz="1600" i="1" dirty="0"/>
               <a:t>	Data description: </a:t>
             </a:r>
           </a:p>
@@ -3361,7 +3351,7 @@
               <a:buNone/>
             </a:pPr>
             <a:r>
-              <a:rPr lang="en-US" sz="1600" i="1" dirty="0" smtClean="0"/>
+              <a:rPr lang="en-US" sz="1600" i="1" dirty="0"/>
               <a:t>		‣ Train Images: Consists of real images of cars as per the make and year of the car. </a:t>
             </a:r>
           </a:p>
@@ -3370,7 +3360,7 @@
               <a:buNone/>
             </a:pPr>
             <a:r>
-              <a:rPr lang="en-US" sz="1600" i="1" dirty="0" smtClean="0"/>
+              <a:rPr lang="en-US" sz="1600" i="1" dirty="0"/>
               <a:t>		‣ Test Images: Consists of real images of cars as per the make and year of the car. </a:t>
             </a:r>
           </a:p>
@@ -3379,7 +3369,7 @@
               <a:buNone/>
             </a:pPr>
             <a:r>
-              <a:rPr lang="en-US" sz="1600" i="1" dirty="0" smtClean="0"/>
+              <a:rPr lang="en-US" sz="1600" i="1" dirty="0"/>
               <a:t>		‣ Train Annotation: Consists of bounding box region for training images. </a:t>
             </a:r>
           </a:p>
@@ -3388,10 +3378,9 @@
               <a:buNone/>
             </a:pPr>
             <a:r>
-              <a:rPr lang="en-US" sz="1600" i="1" dirty="0" smtClean="0"/>
+              <a:rPr lang="en-US" sz="1600" i="1" dirty="0"/>
               <a:t>		‣ Test Annotation: Consists of bounding box region for testing images </a:t>
             </a:r>
-            <a:endParaRPr lang="en-US" sz="1600" i="1" dirty="0"/>
           </a:p>
         </p:txBody>
       </p:sp>
@@ -3443,10 +3432,9 @@
           <a:lstStyle/>
           <a:p>
             <a:r>
-              <a:rPr lang="en-US" sz="3200" dirty="0" smtClean="0"/>
-              <a:t>Model Name</a:t>
-            </a:r>
-            <a:endParaRPr lang="en-US" sz="3200" dirty="0"/>
+              <a:rPr lang="en-US" sz="3200" dirty="0"/>
+              <a:t>CNN for classification</a:t>
+            </a:r>
           </a:p>
         </p:txBody>
       </p:sp>
@@ -3473,130 +3461,186 @@
           <a:lstStyle/>
           <a:p>
             <a:r>
-              <a:rPr lang="en-US" sz="1600" dirty="0" smtClean="0"/>
-              <a:t>Architecture details</a:t>
+              <a:rPr lang="en-US" sz="1600" dirty="0"/>
+              <a:t>Image size</a:t>
             </a:r>
           </a:p>
           <a:p>
             <a:pPr lvl="1"/>
             <a:r>
-              <a:rPr lang="en-US" sz="1200" dirty="0" smtClean="0"/>
-              <a:t>Diagram</a:t>
+              <a:rPr lang="en-US" sz="1200" dirty="0"/>
+              <a:t>28x28x3</a:t>
+            </a:r>
+          </a:p>
+          <a:p>
+            <a:r>
+              <a:rPr lang="en-US" sz="1600" dirty="0"/>
+              <a:t>Trainable Parameters</a:t>
             </a:r>
           </a:p>
           <a:p>
             <a:pPr lvl="1"/>
             <a:r>
-              <a:rPr lang="en-US" sz="1200" dirty="0" smtClean="0"/>
-              <a:t>Key points</a:t>
-            </a:r>
-          </a:p>
-          <a:p>
-            <a:r>
-              <a:rPr lang="en-US" sz="1600" dirty="0" smtClean="0"/>
-              <a:t>Transfer Learning/Custom </a:t>
+              <a:rPr lang="en-US" sz="1200" dirty="0"/>
+              <a:t>Total params: 120,656</a:t>
             </a:r>
           </a:p>
           <a:p>
             <a:pPr lvl="1"/>
             <a:r>
-              <a:rPr lang="en-US" sz="1200" dirty="0" smtClean="0"/>
-              <a:t>Backbone/Base neural network</a:t>
+              <a:rPr lang="en-US" sz="1200" dirty="0"/>
+              <a:t>Trainable params: 120,368</a:t>
             </a:r>
           </a:p>
           <a:p>
             <a:pPr lvl="1"/>
             <a:r>
-              <a:rPr lang="en-US" sz="1200" dirty="0" smtClean="0"/>
-              <a:t>Weights details</a:t>
-            </a:r>
-          </a:p>
-          <a:p>
-            <a:r>
-              <a:rPr lang="en-US" sz="1600" dirty="0" smtClean="0"/>
-              <a:t>Image size</a:t>
+              <a:rPr lang="en-US" sz="1200" dirty="0"/>
+              <a:t>Non-trainable params: 288</a:t>
+            </a:r>
+          </a:p>
+          <a:p>
+            <a:r>
+              <a:rPr lang="en-US" sz="2000" dirty="0"/>
+              <a:t>Train Accuracy</a:t>
             </a:r>
           </a:p>
           <a:p>
             <a:pPr lvl="1"/>
             <a:r>
-              <a:rPr lang="en-US" sz="1200" dirty="0" smtClean="0"/>
-              <a:t>600x600</a:t>
-            </a:r>
-          </a:p>
-          <a:p>
-            <a:r>
-              <a:rPr lang="en-US" sz="1600" dirty="0" smtClean="0"/>
-              <a:t>Trainable Parameters</a:t>
+              <a:rPr lang="en-US" sz="1200" dirty="0"/>
+              <a:t>loss: 2.3558</a:t>
             </a:r>
           </a:p>
           <a:p>
             <a:pPr lvl="1"/>
             <a:r>
-              <a:rPr lang="en-US" sz="1200" dirty="0" smtClean="0"/>
-              <a:t>Trainable and not trainable layers</a:t>
+              <a:rPr lang="en-US" sz="1200" dirty="0"/>
+              <a:t>accuracy: 0.3774 </a:t>
             </a:r>
           </a:p>
           <a:p>
             <a:pPr lvl="1"/>
             <a:r>
-              <a:rPr lang="en-US" sz="1200" dirty="0" smtClean="0"/>
-              <a:t>Numbers , Pick from Model summary</a:t>
-            </a:r>
-          </a:p>
-          <a:p>
-            <a:r>
-              <a:rPr lang="en-US" sz="1600" dirty="0" smtClean="0"/>
-              <a:t>Train Accuracy</a:t>
+              <a:rPr lang="en-US" sz="1200" dirty="0" err="1"/>
+              <a:t>val_loss</a:t>
+            </a:r>
+            <a:r>
+              <a:rPr lang="en-US" sz="1200" dirty="0"/>
+              <a:t>: 12.9033 </a:t>
             </a:r>
           </a:p>
           <a:p>
             <a:pPr lvl="1"/>
             <a:r>
-              <a:rPr lang="en-US" sz="1200" dirty="0" smtClean="0"/>
-              <a:t>Model accuracy</a:t>
+              <a:rPr lang="en-US" sz="1200" dirty="0" err="1"/>
+              <a:t>val_accuracy</a:t>
+            </a:r>
+            <a:r>
+              <a:rPr lang="en-US" sz="1200" dirty="0"/>
+              <a:t>: 0.0020</a:t>
+            </a:r>
+          </a:p>
+          <a:p>
+            <a:r>
+              <a:rPr lang="en-US" sz="2000" dirty="0"/>
+              <a:t>Test Accuracy</a:t>
             </a:r>
           </a:p>
           <a:p>
             <a:pPr lvl="1"/>
             <a:r>
-              <a:rPr lang="en-US" sz="1200" dirty="0" smtClean="0"/>
-              <a:t>Loss details</a:t>
-            </a:r>
-          </a:p>
-          <a:p>
-            <a:r>
-              <a:rPr lang="en-US" sz="1600" dirty="0" smtClean="0"/>
-              <a:t>Test Accuracy</a:t>
+              <a:rPr lang="en-US" sz="1200" dirty="0"/>
+              <a:t>0.005845044273883104</a:t>
+            </a:r>
+          </a:p>
+          <a:p>
+            <a:r>
+              <a:rPr lang="en-US" sz="2000" dirty="0"/>
+              <a:t>Important points</a:t>
             </a:r>
           </a:p>
           <a:p>
             <a:pPr lvl="1"/>
             <a:r>
-              <a:rPr lang="en-US" sz="1200" dirty="0" smtClean="0"/>
-              <a:t>Test accuracy</a:t>
-            </a:r>
-          </a:p>
-          <a:p>
-            <a:r>
-              <a:rPr lang="en-US" sz="1600" dirty="0" smtClean="0"/>
-              <a:t>Important points</a:t>
-            </a:r>
-          </a:p>
-          <a:p>
-            <a:r>
-              <a:rPr lang="en-US" sz="1600" dirty="0" smtClean="0"/>
+              <a:rPr lang="en-US" sz="1600" dirty="0"/>
+              <a:t>Used SGD optimizer </a:t>
+            </a:r>
+          </a:p>
+          <a:p>
+            <a:pPr lvl="1"/>
+            <a:r>
+              <a:rPr lang="en-US" sz="1600" dirty="0"/>
+              <a:t>Lr=0.01, momentum =0.9</a:t>
+            </a:r>
+          </a:p>
+          <a:p>
+            <a:pPr lvl="1"/>
+            <a:r>
+              <a:rPr lang="en-US" sz="1600" dirty="0"/>
+              <a:t>100 epoch</a:t>
+            </a:r>
+          </a:p>
+          <a:p>
+            <a:r>
+              <a:rPr lang="en-US" sz="1600" dirty="0"/>
               <a:t>Details for annexure</a:t>
             </a:r>
           </a:p>
           <a:p>
-            <a:endParaRPr lang="en-US" sz="1600" dirty="0" smtClean="0"/>
+            <a:pPr lvl="1"/>
+            <a:r>
+              <a:rPr lang="en-US" sz="1200" dirty="0"/>
+              <a:t>Further tuning</a:t>
+            </a:r>
           </a:p>
           <a:p>
             <a:endParaRPr lang="en-US" sz="1600" dirty="0"/>
           </a:p>
-        </p:txBody>
-      </p:sp>
+          <a:p>
+            <a:pPr marL="0" indent="0">
+              <a:buNone/>
+            </a:pPr>
+            <a:endParaRPr lang="en-US" sz="1600" dirty="0"/>
+          </a:p>
+        </p:txBody>
+      </p:sp>
+      <p:pic>
+        <p:nvPicPr>
+          <p:cNvPr id="7" name="Picture 6" descr="Text&#10;&#10;Description automatically generated">
+            <a:extLst>
+              <a:ext uri="{FF2B5EF4-FFF2-40B4-BE49-F238E27FC236}">
+                <a16:creationId xmlns:a16="http://schemas.microsoft.com/office/drawing/2014/main" id="{C741BE4E-EF88-4DFC-9682-86E115770080}"/>
+              </a:ext>
+            </a:extLst>
+          </p:cNvPr>
+          <p:cNvPicPr>
+            <a:picLocks noChangeAspect="1"/>
+          </p:cNvPicPr>
+          <p:nvPr/>
+        </p:nvPicPr>
+        <p:blipFill>
+          <a:blip r:embed="rId2">
+            <a:extLst>
+              <a:ext uri="{28A0092B-C50C-407E-A947-70E740481C1C}">
+                <a14:useLocalDpi xmlns:a14="http://schemas.microsoft.com/office/drawing/2010/main" val="0"/>
+              </a:ext>
+            </a:extLst>
+          </a:blip>
+          <a:stretch>
+            <a:fillRect/>
+          </a:stretch>
+        </p:blipFill>
+        <p:spPr>
+          <a:xfrm>
+            <a:off x="4648202" y="838201"/>
+            <a:ext cx="3352798" cy="5745162"/>
+          </a:xfrm>
+          <a:prstGeom prst="rect">
+            <a:avLst/>
+          </a:prstGeom>
+        </p:spPr>
+      </p:pic>
     </p:spTree>
   </p:cSld>
   <p:clrMapOvr>
@@ -3635,7 +3679,7 @@
         <p:spPr>
           <a:xfrm>
             <a:off x="457200" y="274638"/>
-            <a:ext cx="8153400" cy="563562"/>
+            <a:ext cx="8229600" cy="563562"/>
           </a:xfrm>
         </p:spPr>
         <p:txBody>
@@ -3645,14 +3689,216 @@
           <a:lstStyle/>
           <a:p>
             <a:r>
-              <a:rPr lang="en-US" sz="3200" dirty="0" smtClean="0"/>
-              <a:t>Consolidated Model Results</a:t>
-            </a:r>
-            <a:endParaRPr lang="en-US" sz="3200" dirty="0"/>
-          </a:p>
-        </p:txBody>
-      </p:sp>
+              <a:rPr lang="en-US" sz="3200" dirty="0" err="1"/>
+              <a:t>MobileNet</a:t>
+            </a:r>
+            <a:r>
+              <a:rPr lang="en-US" sz="3200" dirty="0"/>
+              <a:t> for Object detection (bounding box)</a:t>
+            </a:r>
+          </a:p>
+        </p:txBody>
+      </p:sp>
+      <p:sp>
+        <p:nvSpPr>
+          <p:cNvPr id="3" name="Content Placeholder 2"/>
+          <p:cNvSpPr>
+            <a:spLocks noGrp="1"/>
+          </p:cNvSpPr>
+          <p:nvPr>
+            <p:ph sz="half" idx="1"/>
+          </p:nvPr>
+        </p:nvSpPr>
+        <p:spPr>
+          <a:xfrm>
+            <a:off x="457200" y="990600"/>
+            <a:ext cx="4038600" cy="5135563"/>
+          </a:xfrm>
+        </p:spPr>
+        <p:txBody>
+          <a:bodyPr>
+            <a:normAutofit/>
+          </a:bodyPr>
+          <a:lstStyle/>
+          <a:p>
+            <a:r>
+              <a:rPr lang="en-US" sz="1600" dirty="0"/>
+              <a:t>Image size</a:t>
+            </a:r>
+          </a:p>
+          <a:p>
+            <a:pPr lvl="1"/>
+            <a:r>
+              <a:rPr lang="en-US" sz="1200" dirty="0"/>
+              <a:t>128x128x3</a:t>
+            </a:r>
+          </a:p>
+          <a:p>
+            <a:r>
+              <a:rPr lang="en-US" sz="1600" dirty="0"/>
+              <a:t>Trainable Parameters</a:t>
+            </a:r>
+          </a:p>
+          <a:p>
+            <a:pPr lvl="1"/>
+            <a:r>
+              <a:rPr lang="en-US" sz="1200" dirty="0"/>
+              <a:t>Total params: 3,294,404</a:t>
+            </a:r>
+          </a:p>
+          <a:p>
+            <a:pPr lvl="1"/>
+            <a:r>
+              <a:rPr lang="en-US" sz="1200" dirty="0"/>
+              <a:t>Trainable params: 65,540</a:t>
+            </a:r>
+          </a:p>
+          <a:p>
+            <a:pPr lvl="1"/>
+            <a:r>
+              <a:rPr lang="en-US" sz="1200" dirty="0"/>
+              <a:t>Non-trainable params: 3,228,864</a:t>
+            </a:r>
+          </a:p>
+          <a:p>
+            <a:r>
+              <a:rPr lang="en-US" sz="1600" dirty="0"/>
+              <a:t>Train Accuracy</a:t>
+            </a:r>
+          </a:p>
+          <a:p>
+            <a:pPr lvl="1"/>
+            <a:r>
+              <a:rPr lang="en-US" sz="1200" dirty="0"/>
+              <a:t>loss: 25.9123 </a:t>
+            </a:r>
+          </a:p>
+          <a:p>
+            <a:pPr lvl="1"/>
+            <a:r>
+              <a:rPr lang="en-US" sz="1200" dirty="0" err="1"/>
+              <a:t>IoU</a:t>
+            </a:r>
+            <a:r>
+              <a:rPr lang="en-US" sz="1200" dirty="0"/>
+              <a:t>: 0.8815</a:t>
+            </a:r>
+          </a:p>
+          <a:p>
+            <a:pPr lvl="1"/>
+            <a:r>
+              <a:rPr lang="en-US" sz="1200" dirty="0" err="1"/>
+              <a:t>val_loss</a:t>
+            </a:r>
+            <a:r>
+              <a:rPr lang="en-US" sz="1200" dirty="0"/>
+              <a:t>: 56.1673 </a:t>
+            </a:r>
+          </a:p>
+          <a:p>
+            <a:pPr lvl="1"/>
+            <a:r>
+              <a:rPr lang="en-US" sz="1200" dirty="0" err="1"/>
+              <a:t>val_IoU</a:t>
+            </a:r>
+            <a:r>
+              <a:rPr lang="en-US" sz="1200" dirty="0"/>
+              <a:t>: 0.8019</a:t>
+            </a:r>
+          </a:p>
+          <a:p>
+            <a:r>
+              <a:rPr lang="en-US" sz="1600" dirty="0"/>
+              <a:t>Test Accuracy</a:t>
+            </a:r>
+          </a:p>
+          <a:p>
+            <a:pPr lvl="1"/>
+            <a:r>
+              <a:rPr lang="en-US" sz="1200" dirty="0"/>
+              <a:t>0.8018515706062317</a:t>
+            </a:r>
+          </a:p>
+          <a:p>
+            <a:r>
+              <a:rPr lang="en-US" sz="1600" dirty="0"/>
+              <a:t>Important points</a:t>
+            </a:r>
+          </a:p>
+          <a:p>
+            <a:pPr lvl="1"/>
+            <a:r>
+              <a:rPr lang="en-US" sz="1600" dirty="0"/>
+              <a:t>Used Mobile net transfer learning</a:t>
+            </a:r>
+          </a:p>
+          <a:p>
+            <a:r>
+              <a:rPr lang="en-US" sz="1600" dirty="0"/>
+              <a:t>Details for annexure</a:t>
+            </a:r>
+          </a:p>
+          <a:p>
+            <a:pPr lvl="1"/>
+            <a:r>
+              <a:rPr lang="en-US" sz="1200" dirty="0"/>
+              <a:t>Further tuning</a:t>
+            </a:r>
+          </a:p>
+          <a:p>
+            <a:pPr lvl="1"/>
+            <a:r>
+              <a:rPr lang="en-US" sz="1200" dirty="0"/>
+              <a:t>Full model box diagram</a:t>
+            </a:r>
+          </a:p>
+          <a:p>
+            <a:endParaRPr lang="en-US" sz="1600" dirty="0"/>
+          </a:p>
+          <a:p>
+            <a:pPr marL="0" indent="0">
+              <a:buNone/>
+            </a:pPr>
+            <a:endParaRPr lang="en-US" sz="1600" dirty="0"/>
+          </a:p>
+        </p:txBody>
+      </p:sp>
+      <p:pic>
+        <p:nvPicPr>
+          <p:cNvPr id="8" name="Picture 7">
+            <a:extLst>
+              <a:ext uri="{FF2B5EF4-FFF2-40B4-BE49-F238E27FC236}">
+                <a16:creationId xmlns:a16="http://schemas.microsoft.com/office/drawing/2014/main" id="{6F43B1B2-5DC8-4651-BBB9-B0D38C2F0977}"/>
+              </a:ext>
+            </a:extLst>
+          </p:cNvPr>
+          <p:cNvPicPr>
+            <a:picLocks noChangeAspect="1"/>
+          </p:cNvPicPr>
+          <p:nvPr/>
+        </p:nvPicPr>
+        <p:blipFill>
+          <a:blip r:embed="rId2"/>
+          <a:stretch>
+            <a:fillRect/>
+          </a:stretch>
+        </p:blipFill>
+        <p:spPr>
+          <a:xfrm>
+            <a:off x="4495799" y="795666"/>
+            <a:ext cx="3223819" cy="5330497"/>
+          </a:xfrm>
+          <a:prstGeom prst="rect">
+            <a:avLst/>
+          </a:prstGeom>
+        </p:spPr>
+      </p:pic>
     </p:spTree>
+    <p:extLst>
+      <p:ext uri="{BB962C8B-B14F-4D97-AF65-F5344CB8AC3E}">
+        <p14:creationId xmlns:p14="http://schemas.microsoft.com/office/powerpoint/2010/main" val="3925915665"/>
+      </p:ext>
+    </p:extLst>
   </p:cSld>
   <p:clrMapOvr>
     <a:masterClrMapping/>
@@ -3690,6 +3936,60 @@
         <p:spPr>
           <a:xfrm>
             <a:off x="457200" y="274638"/>
+            <a:ext cx="8153400" cy="563562"/>
+          </a:xfrm>
+        </p:spPr>
+        <p:txBody>
+          <a:bodyPr>
+            <a:normAutofit fontScale="90000"/>
+          </a:bodyPr>
+          <a:lstStyle/>
+          <a:p>
+            <a:r>
+              <a:rPr lang="en-US" sz="3200" dirty="0"/>
+              <a:t>Consolidated Model Results</a:t>
+            </a:r>
+          </a:p>
+        </p:txBody>
+      </p:sp>
+    </p:spTree>
+  </p:cSld>
+  <p:clrMapOvr>
+    <a:masterClrMapping/>
+  </p:clrMapOvr>
+</p:sld>
+</file>
+
+<file path=ppt/slides/slide6.xml><?xml version="1.0" encoding="utf-8"?>
+<p:sld xmlns:a="http://schemas.openxmlformats.org/drawingml/2006/main" xmlns:r="http://schemas.openxmlformats.org/officeDocument/2006/relationships" xmlns:p="http://schemas.openxmlformats.org/presentationml/2006/main">
+  <p:cSld>
+    <p:spTree>
+      <p:nvGrpSpPr>
+        <p:cNvPr id="1" name=""/>
+        <p:cNvGrpSpPr/>
+        <p:nvPr/>
+      </p:nvGrpSpPr>
+      <p:grpSpPr>
+        <a:xfrm>
+          <a:off x="0" y="0"/>
+          <a:ext cx="0" cy="0"/>
+          <a:chOff x="0" y="0"/>
+          <a:chExt cx="0" cy="0"/>
+        </a:xfrm>
+      </p:grpSpPr>
+      <p:sp>
+        <p:nvSpPr>
+          <p:cNvPr id="2" name="Title 1"/>
+          <p:cNvSpPr>
+            <a:spLocks noGrp="1"/>
+          </p:cNvSpPr>
+          <p:nvPr>
+            <p:ph type="title"/>
+          </p:nvPr>
+        </p:nvSpPr>
+        <p:spPr>
+          <a:xfrm>
+            <a:off x="457200" y="274638"/>
             <a:ext cx="8077200" cy="563562"/>
           </a:xfrm>
         </p:spPr>
@@ -3700,10 +4000,9 @@
           <a:lstStyle/>
           <a:p>
             <a:r>
-              <a:rPr lang="en-US" sz="3200" dirty="0" smtClean="0"/>
+              <a:rPr lang="en-US" sz="3200" dirty="0"/>
               <a:t>Future Steps</a:t>
             </a:r>
-            <a:endParaRPr lang="en-US" sz="3200" dirty="0"/>
           </a:p>
         </p:txBody>
       </p:sp>
@@ -3850,10 +4149,9 @@
           <a:lstStyle/>
           <a:p>
             <a:r>
-              <a:rPr lang="en-US" dirty="0" smtClean="0"/>
+              <a:rPr lang="en-US" dirty="0"/>
               <a:t>Week 1</a:t>
             </a:r>
-            <a:endParaRPr lang="en-US" dirty="0"/>
           </a:p>
         </p:txBody>
       </p:sp>
@@ -3880,10 +4178,9 @@
           <a:lstStyle/>
           <a:p>
             <a:r>
-              <a:rPr lang="en-US" dirty="0" smtClean="0"/>
+              <a:rPr lang="en-US" dirty="0"/>
               <a:t>Week 2</a:t>
             </a:r>
-            <a:endParaRPr lang="en-US" dirty="0"/>
           </a:p>
         </p:txBody>
       </p:sp>
@@ -3910,10 +4207,9 @@
           <a:lstStyle/>
           <a:p>
             <a:r>
-              <a:rPr lang="en-US" dirty="0" smtClean="0"/>
+              <a:rPr lang="en-US" dirty="0"/>
               <a:t>Week 3</a:t>
             </a:r>
-            <a:endParaRPr lang="en-US" dirty="0"/>
           </a:p>
         </p:txBody>
       </p:sp>
@@ -3925,7 +4221,7 @@
 </p:sld>
 </file>
 
-<file path=ppt/slides/slide6.xml><?xml version="1.0" encoding="utf-8"?>
+<file path=ppt/slides/slide7.xml><?xml version="1.0" encoding="utf-8"?>
 <p:sld xmlns:a="http://schemas.openxmlformats.org/drawingml/2006/main" xmlns:r="http://schemas.openxmlformats.org/officeDocument/2006/relationships" xmlns:p="http://schemas.openxmlformats.org/presentationml/2006/main">
   <p:cSld>
     <p:spTree>
@@ -3965,10 +4261,9 @@
           <a:lstStyle/>
           <a:p>
             <a:r>
-              <a:rPr lang="en-US" sz="3200" dirty="0" smtClean="0"/>
+              <a:rPr lang="en-US" sz="3200" dirty="0"/>
               <a:t>Annexure</a:t>
             </a:r>
-            <a:endParaRPr lang="en-US" sz="3200" dirty="0"/>
           </a:p>
         </p:txBody>
       </p:sp>
@@ -3999,13 +4294,75 @@
               <a:buChar char="•"/>
             </a:pPr>
             <a:r>
-              <a:rPr lang="en-US" dirty="0" smtClean="0"/>
+              <a:rPr lang="en-US" dirty="0"/>
               <a:t> Create single doc/text file attach it to the annexure.</a:t>
             </a:r>
-            <a:endParaRPr lang="en-US" dirty="0"/>
-          </a:p>
-        </p:txBody>
-      </p:sp>
+          </a:p>
+        </p:txBody>
+      </p:sp>
+      <p:graphicFrame>
+        <p:nvGraphicFramePr>
+          <p:cNvPr id="4" name="Object 3">
+            <a:extLst>
+              <a:ext uri="{FF2B5EF4-FFF2-40B4-BE49-F238E27FC236}">
+                <a16:creationId xmlns:a16="http://schemas.microsoft.com/office/drawing/2014/main" id="{D9F14410-3A30-4493-946E-9276F90CEC71}"/>
+              </a:ext>
+            </a:extLst>
+          </p:cNvPr>
+          <p:cNvGraphicFramePr>
+            <a:graphicFrameLocks noChangeAspect="1"/>
+          </p:cNvGraphicFramePr>
+          <p:nvPr>
+            <p:extLst>
+              <p:ext uri="{D42A27DB-BD31-4B8C-83A1-F6EECF244321}">
+                <p14:modId xmlns:p14="http://schemas.microsoft.com/office/powerpoint/2010/main" val="699550836"/>
+              </p:ext>
+            </p:extLst>
+          </p:nvPr>
+        </p:nvGraphicFramePr>
+        <p:xfrm>
+          <a:off x="-304800" y="1986181"/>
+          <a:ext cx="4170362" cy="488950"/>
+        </p:xfrm>
+        <a:graphic>
+          <a:graphicData uri="http://schemas.openxmlformats.org/presentationml/2006/ole">
+            <mc:AlternateContent xmlns:mc="http://schemas.openxmlformats.org/markup-compatibility/2006">
+              <mc:Choice xmlns:v="urn:schemas-microsoft-com:vml" Requires="v">
+                <p:oleObj name="Packager Shell Object" showAsIcon="1" r:id="rId2" imgW="4170240" imgH="488520" progId="Package">
+                  <p:embed/>
+                </p:oleObj>
+              </mc:Choice>
+              <mc:Fallback>
+                <p:oleObj name="Packager Shell Object" showAsIcon="1" r:id="rId2" imgW="4170240" imgH="488520" progId="Package">
+                  <p:embed/>
+                  <p:pic>
+                    <p:nvPicPr>
+                      <p:cNvPr id="0" name=""/>
+                      <p:cNvPicPr/>
+                      <p:nvPr/>
+                    </p:nvPicPr>
+                    <p:blipFill>
+                      <a:blip r:embed="rId3"/>
+                      <a:stretch>
+                        <a:fillRect/>
+                      </a:stretch>
+                    </p:blipFill>
+                    <p:spPr>
+                      <a:xfrm>
+                        <a:off x="-304800" y="1986181"/>
+                        <a:ext cx="4170362" cy="488950"/>
+                      </a:xfrm>
+                      <a:prstGeom prst="rect">
+                        <a:avLst/>
+                      </a:prstGeom>
+                    </p:spPr>
+                  </p:pic>
+                </p:oleObj>
+              </mc:Fallback>
+            </mc:AlternateContent>
+          </a:graphicData>
+        </a:graphic>
+      </p:graphicFrame>
     </p:spTree>
   </p:cSld>
   <p:clrMapOvr>
